--- a/WBS/Klasse9/Arbeit(-smarkt) mit KI/Arbeit mit KI.pptx
+++ b/WBS/Klasse9/Arbeit(-smarkt) mit KI/Arbeit mit KI.pptx
@@ -5,17 +5,18 @@
     <p:sldMasterId id="2147483746" r:id="rId1"/>
   </p:sldMasterIdLst>
   <p:notesMasterIdLst>
-    <p:notesMasterId r:id="rId7"/>
+    <p:notesMasterId r:id="rId8"/>
   </p:notesMasterIdLst>
   <p:handoutMasterIdLst>
-    <p:handoutMasterId r:id="rId8"/>
+    <p:handoutMasterId r:id="rId9"/>
   </p:handoutMasterIdLst>
   <p:sldIdLst>
     <p:sldId id="257" r:id="rId2"/>
-    <p:sldId id="258" r:id="rId3"/>
-    <p:sldId id="259" r:id="rId4"/>
+    <p:sldId id="262" r:id="rId3"/>
+    <p:sldId id="258" r:id="rId4"/>
     <p:sldId id="260" r:id="rId5"/>
     <p:sldId id="261" r:id="rId6"/>
+    <p:sldId id="259" r:id="rId7"/>
   </p:sldIdLst>
   <p:sldSz cx="12192000" cy="6858000"/>
   <p:notesSz cx="6858000" cy="9144000"/>
@@ -209,7 +210,7 @@
             <a:pPr rtl="0"/>
             <a:fld id="{7260543F-C6AC-4A94-9181-2A0B47128E40}" type="datetime1">
               <a:rPr lang="de-DE" smtClean="0"/>
-              <a:t>24.11.2024</a:t>
+              <a:t>01.12.2024</a:t>
             </a:fld>
             <a:endParaRPr lang="en-US" dirty="0"/>
           </a:p>
@@ -379,7 +380,7 @@
             <a:pPr rtl="0"/>
             <a:fld id="{BB4411EF-09CB-4E62-A9ED-59F7AB2BB401}" type="datetime1">
               <a:rPr lang="de-DE" smtClean="0"/>
-              <a:t>24.11.2024</a:t>
+              <a:t>01.12.2024</a:t>
             </a:fld>
             <a:endParaRPr lang="en-US"/>
           </a:p>
@@ -899,7 +900,7 @@
             <a:pPr rtl="0"/>
             <a:fld id="{D058F8EF-9461-4DB5-8DE8-65F0C8AF5E0D}" type="datetime1">
               <a:rPr lang="de-DE" smtClean="0"/>
-              <a:t>24.11.2024</a:t>
+              <a:t>01.12.2024</a:t>
             </a:fld>
             <a:endParaRPr lang="en-US" dirty="0"/>
           </a:p>
@@ -1091,7 +1092,7 @@
             <a:pPr rtl="0"/>
             <a:fld id="{A4B84E5B-C9E8-4DB6-BA34-0E271B709DFA}" type="datetime1">
               <a:rPr lang="de-DE" smtClean="0"/>
-              <a:t>24.11.2024</a:t>
+              <a:t>01.12.2024</a:t>
             </a:fld>
             <a:endParaRPr lang="en-US" dirty="0"/>
           </a:p>
@@ -1337,7 +1338,7 @@
             <a:pPr rtl="0"/>
             <a:fld id="{F650C74D-3EC7-4807-8009-B91685601A76}" type="datetime1">
               <a:rPr lang="de-DE" smtClean="0"/>
-              <a:t>24.11.2024</a:t>
+              <a:t>01.12.2024</a:t>
             </a:fld>
             <a:endParaRPr lang="en-US" dirty="0"/>
           </a:p>
@@ -1529,7 +1530,7 @@
             <a:pPr rtl="0"/>
             <a:fld id="{CA5E3BD6-493E-4773-AC13-EE70A9E3F498}" type="datetime1">
               <a:rPr lang="de-DE" smtClean="0"/>
-              <a:t>24.11.2024</a:t>
+              <a:t>01.12.2024</a:t>
             </a:fld>
             <a:endParaRPr lang="en-US" dirty="0"/>
           </a:p>
@@ -1906,7 +1907,7 @@
             <a:pPr rtl="0"/>
             <a:fld id="{FEE6A76B-C923-49BD-ABE7-ADE768C6F571}" type="datetime1">
               <a:rPr lang="de-DE" smtClean="0"/>
-              <a:t>24.11.2024</a:t>
+              <a:t>01.12.2024</a:t>
             </a:fld>
             <a:endParaRPr lang="en-US" dirty="0"/>
           </a:p>
@@ -2165,7 +2166,7 @@
             <a:pPr rtl="0"/>
             <a:fld id="{4CD334EC-5459-4A98-AF88-01FD6D7BAF68}" type="datetime1">
               <a:rPr lang="de-DE" smtClean="0"/>
-              <a:t>24.11.2024</a:t>
+              <a:t>01.12.2024</a:t>
             </a:fld>
             <a:endParaRPr lang="en-US" dirty="0"/>
           </a:p>
@@ -2566,7 +2567,7 @@
             <a:pPr rtl="0"/>
             <a:fld id="{62F56688-ED28-473C-871E-9EEF4BB0D1F0}" type="datetime1">
               <a:rPr lang="de-DE" smtClean="0"/>
-              <a:t>24.11.2024</a:t>
+              <a:t>01.12.2024</a:t>
             </a:fld>
             <a:endParaRPr lang="en-US" dirty="0"/>
           </a:p>
@@ -2706,7 +2707,7 @@
             <a:pPr rtl="0"/>
             <a:fld id="{F9110680-7D80-41F3-804A-113A4CB11D73}" type="datetime1">
               <a:rPr lang="de-DE" smtClean="0"/>
-              <a:t>24.11.2024</a:t>
+              <a:t>01.12.2024</a:t>
             </a:fld>
             <a:endParaRPr lang="en-US" dirty="0"/>
           </a:p>
@@ -2866,7 +2867,7 @@
             <a:pPr rtl="0"/>
             <a:fld id="{7E7F7112-C41D-45A5-B762-BC15064583EE}" type="datetime1">
               <a:rPr lang="de-DE" smtClean="0"/>
-              <a:t>24.11.2024</a:t>
+              <a:t>01.12.2024</a:t>
             </a:fld>
             <a:endParaRPr lang="en-US" dirty="0"/>
           </a:p>
@@ -3199,7 +3200,7 @@
             <a:pPr rtl="0"/>
             <a:fld id="{1CFE5CD5-4320-48E9-85AB-4E68C78D0837}" type="datetime1">
               <a:rPr lang="de-DE" smtClean="0"/>
-              <a:t>24.11.2024</a:t>
+              <a:t>01.12.2024</a:t>
             </a:fld>
             <a:endParaRPr lang="en-US" dirty="0"/>
           </a:p>
@@ -3554,7 +3555,7 @@
             <a:pPr rtl="0"/>
             <a:fld id="{4B989E5A-44CF-486A-A324-E4C01361A073}" type="datetime1">
               <a:rPr lang="de-DE" smtClean="0"/>
-              <a:t>24.11.2024</a:t>
+              <a:t>01.12.2024</a:t>
             </a:fld>
             <a:endParaRPr lang="en-US" dirty="0"/>
           </a:p>
@@ -3818,7 +3819,7 @@
             <a:pPr rtl="0"/>
             <a:fld id="{C5518B76-3D47-40C3-B678-8969E3806FFF}" type="datetime1">
               <a:rPr lang="de-DE" smtClean="0"/>
-              <a:t>24.11.2024</a:t>
+              <a:t>01.12.2024</a:t>
             </a:fld>
             <a:endParaRPr lang="en-US" dirty="0"/>
           </a:p>
@@ -4597,6 +4598,158 @@
           <p:cNvPr id="2" name="Title 1">
             <a:extLst>
               <a:ext uri="{FF2B5EF4-FFF2-40B4-BE49-F238E27FC236}">
+                <a16:creationId xmlns:a16="http://schemas.microsoft.com/office/drawing/2014/main" id="{C5E8BD83-AE08-7CCC-177E-9DDF27397FBA}"/>
+              </a:ext>
+            </a:extLst>
+          </p:cNvPr>
+          <p:cNvSpPr>
+            <a:spLocks noGrp="1"/>
+          </p:cNvSpPr>
+          <p:nvPr>
+            <p:ph type="title"/>
+          </p:nvPr>
+        </p:nvSpPr>
+        <p:spPr/>
+        <p:txBody>
+          <a:bodyPr/>
+          <a:lstStyle/>
+          <a:p>
+            <a:r>
+              <a:rPr lang="de-DE" dirty="0"/>
+              <a:t>Umfrage: Nutzung von ChatGPT</a:t>
+            </a:r>
+          </a:p>
+        </p:txBody>
+      </p:sp>
+      <p:sp>
+        <p:nvSpPr>
+          <p:cNvPr id="3" name="Content Placeholder 2">
+            <a:extLst>
+              <a:ext uri="{FF2B5EF4-FFF2-40B4-BE49-F238E27FC236}">
+                <a16:creationId xmlns:a16="http://schemas.microsoft.com/office/drawing/2014/main" id="{0EAF014C-7762-1999-0D21-077AFE140FB7}"/>
+              </a:ext>
+            </a:extLst>
+          </p:cNvPr>
+          <p:cNvSpPr>
+            <a:spLocks noGrp="1"/>
+          </p:cNvSpPr>
+          <p:nvPr>
+            <p:ph idx="1"/>
+          </p:nvPr>
+        </p:nvSpPr>
+        <p:spPr/>
+        <p:txBody>
+          <a:bodyPr/>
+          <a:lstStyle/>
+          <a:p>
+            <a:r>
+              <a:rPr lang="de-DE" dirty="0"/>
+              <a:t>Scannt den QR-Code und beantwortet die Fragen.</a:t>
+            </a:r>
+          </a:p>
+        </p:txBody>
+      </p:sp>
+      <p:sp>
+        <p:nvSpPr>
+          <p:cNvPr id="4" name="Date Placeholder 3">
+            <a:extLst>
+              <a:ext uri="{FF2B5EF4-FFF2-40B4-BE49-F238E27FC236}">
+                <a16:creationId xmlns:a16="http://schemas.microsoft.com/office/drawing/2014/main" id="{7293B7B7-9BB4-B2B4-8121-EF6971257B2E}"/>
+              </a:ext>
+            </a:extLst>
+          </p:cNvPr>
+          <p:cNvSpPr>
+            <a:spLocks noGrp="1"/>
+          </p:cNvSpPr>
+          <p:nvPr>
+            <p:ph type="dt" sz="half" idx="10"/>
+          </p:nvPr>
+        </p:nvSpPr>
+        <p:spPr/>
+        <p:txBody>
+          <a:bodyPr/>
+          <a:lstStyle/>
+          <a:p>
+            <a:pPr rtl="0"/>
+            <a:fld id="{CA5E3BD6-493E-4773-AC13-EE70A9E3F498}" type="datetime1">
+              <a:rPr lang="de-DE" smtClean="0"/>
+              <a:t>01.12.2024</a:t>
+            </a:fld>
+            <a:endParaRPr lang="en-US" dirty="0"/>
+          </a:p>
+        </p:txBody>
+      </p:sp>
+      <p:pic>
+        <p:nvPicPr>
+          <p:cNvPr id="8" name="Picture 7" descr="A qr code on a white background&#10;&#10;Description automatically generated">
+            <a:extLst>
+              <a:ext uri="{FF2B5EF4-FFF2-40B4-BE49-F238E27FC236}">
+                <a16:creationId xmlns:a16="http://schemas.microsoft.com/office/drawing/2014/main" id="{3E7A05F3-968D-8EE1-26FB-09265A72C4E7}"/>
+              </a:ext>
+            </a:extLst>
+          </p:cNvPr>
+          <p:cNvPicPr>
+            <a:picLocks noChangeAspect="1"/>
+          </p:cNvPicPr>
+          <p:nvPr/>
+        </p:nvPicPr>
+        <p:blipFill>
+          <a:blip r:embed="rId2">
+            <a:extLst>
+              <a:ext uri="{28A0092B-C50C-407E-A947-70E740481C1C}">
+                <a14:useLocalDpi xmlns:a14="http://schemas.microsoft.com/office/drawing/2010/main" val="0"/>
+              </a:ext>
+            </a:extLst>
+          </a:blip>
+          <a:stretch>
+            <a:fillRect/>
+          </a:stretch>
+        </p:blipFill>
+        <p:spPr>
+          <a:xfrm>
+            <a:off x="7399421" y="2108200"/>
+            <a:ext cx="3756259" cy="3756259"/>
+          </a:xfrm>
+          <a:prstGeom prst="rect">
+            <a:avLst/>
+          </a:prstGeom>
+        </p:spPr>
+      </p:pic>
+    </p:spTree>
+    <p:extLst>
+      <p:ext uri="{BB962C8B-B14F-4D97-AF65-F5344CB8AC3E}">
+        <p14:creationId xmlns:p14="http://schemas.microsoft.com/office/powerpoint/2010/main" val="559627922"/>
+      </p:ext>
+    </p:extLst>
+  </p:cSld>
+  <p:clrMapOvr>
+    <a:masterClrMapping/>
+  </p:clrMapOvr>
+</p:sld>
+</file>
+
+<file path=ppt/slides/slide3.xml><?xml version="1.0" encoding="utf-8"?>
+<p:sld xmlns:a="http://schemas.openxmlformats.org/drawingml/2006/main" xmlns:r="http://schemas.openxmlformats.org/officeDocument/2006/relationships" xmlns:p="http://schemas.openxmlformats.org/presentationml/2006/main">
+  <p:cSld>
+    <p:spTree>
+      <p:nvGrpSpPr>
+        <p:cNvPr id="1" name=""/>
+        <p:cNvGrpSpPr/>
+        <p:nvPr/>
+      </p:nvGrpSpPr>
+      <p:grpSpPr>
+        <a:xfrm>
+          <a:off x="0" y="0"/>
+          <a:ext cx="0" cy="0"/>
+          <a:chOff x="0" y="0"/>
+          <a:chExt cx="0" cy="0"/>
+        </a:xfrm>
+      </p:grpSpPr>
+      <p:sp>
+        <p:nvSpPr>
+          <p:cNvPr id="2" name="Title 1">
+            <a:extLst>
+              <a:ext uri="{FF2B5EF4-FFF2-40B4-BE49-F238E27FC236}">
                 <a16:creationId xmlns:a16="http://schemas.microsoft.com/office/drawing/2014/main" id="{EF54C8F3-0F51-2AC7-C4AE-B6A13BDF2E7A}"/>
               </a:ext>
             </a:extLst>
@@ -4615,7 +4768,7 @@
           <a:p>
             <a:r>
               <a:rPr lang="de-DE" dirty="0"/>
-              <a:t>Die Zukunft der Arbeit mit KI</a:t>
+              <a:t>Zukunft der Arbeit mit Robotern</a:t>
             </a:r>
           </a:p>
         </p:txBody>
@@ -4647,7 +4800,7 @@
             </a:pPr>
             <a:r>
               <a:rPr lang="de-DE" dirty="0"/>
-              <a:t>Habt ihr im Video eine Lösung für die Zukunft der Pflege gesehen? Stellt ChatGPT diese und tiefergehende Fragen, die euch zu dem Thema einfallen. Fasst die Ergebnisse und Auffälligkeiten stichpunktartig zusammen und stellt sie anschließend im Plenum vor. Überlegt euch dabei auch den Nutzen und die Risiken der Künstlichen Intelligenz (z.B. Chat-GPT)</a:t>
+              <a:t>Habt ihr im Video eine Lösung für die Zukunft der Pflege gesehen? Stellt ChatGPT diese und tiefergehende Fragen, die euch zu dem Thema einfallen. Fasst die Ergebnisse und Auffälligkeiten stichpunktartig zusammen und stellt sie anschließend im Plenum vor.</a:t>
             </a:r>
           </a:p>
           <a:p>
@@ -4706,7 +4859,7 @@
             <a:pPr rtl="0"/>
             <a:fld id="{CA5E3BD6-493E-4773-AC13-EE70A9E3F498}" type="datetime1">
               <a:rPr lang="de-DE" smtClean="0"/>
-              <a:t>24.11.2024</a:t>
+              <a:t>01.12.2024</a:t>
             </a:fld>
             <a:endParaRPr lang="en-US" dirty="0"/>
           </a:p>
@@ -4797,7 +4950,299 @@
 </p:sld>
 </file>
 
-<file path=ppt/slides/slide3.xml><?xml version="1.0" encoding="utf-8"?>
+<file path=ppt/slides/slide4.xml><?xml version="1.0" encoding="utf-8"?>
+<p:sld xmlns:a="http://schemas.openxmlformats.org/drawingml/2006/main" xmlns:r="http://schemas.openxmlformats.org/officeDocument/2006/relationships" xmlns:p="http://schemas.openxmlformats.org/presentationml/2006/main">
+  <p:cSld>
+    <p:spTree>
+      <p:nvGrpSpPr>
+        <p:cNvPr id="1" name=""/>
+        <p:cNvGrpSpPr/>
+        <p:nvPr/>
+      </p:nvGrpSpPr>
+      <p:grpSpPr>
+        <a:xfrm>
+          <a:off x="0" y="0"/>
+          <a:ext cx="0" cy="0"/>
+          <a:chOff x="0" y="0"/>
+          <a:chExt cx="0" cy="0"/>
+        </a:xfrm>
+      </p:grpSpPr>
+      <p:sp>
+        <p:nvSpPr>
+          <p:cNvPr id="2" name="Title 1">
+            <a:extLst>
+              <a:ext uri="{FF2B5EF4-FFF2-40B4-BE49-F238E27FC236}">
+                <a16:creationId xmlns:a16="http://schemas.microsoft.com/office/drawing/2014/main" id="{685BF5B1-DD5E-591E-EC3D-520265D008F8}"/>
+              </a:ext>
+            </a:extLst>
+          </p:cNvPr>
+          <p:cNvSpPr>
+            <a:spLocks noGrp="1"/>
+          </p:cNvSpPr>
+          <p:nvPr>
+            <p:ph type="title"/>
+          </p:nvPr>
+        </p:nvSpPr>
+        <p:spPr/>
+        <p:txBody>
+          <a:bodyPr/>
+          <a:lstStyle/>
+          <a:p>
+            <a:r>
+              <a:rPr lang="de-DE" dirty="0"/>
+              <a:t>Stimmt ihr ChatGPT zu?</a:t>
+            </a:r>
+          </a:p>
+        </p:txBody>
+      </p:sp>
+      <p:sp>
+        <p:nvSpPr>
+          <p:cNvPr id="3" name="Content Placeholder 2">
+            <a:extLst>
+              <a:ext uri="{FF2B5EF4-FFF2-40B4-BE49-F238E27FC236}">
+                <a16:creationId xmlns:a16="http://schemas.microsoft.com/office/drawing/2014/main" id="{FA16C316-144A-3D4C-4E2B-8389F569BBA0}"/>
+              </a:ext>
+            </a:extLst>
+          </p:cNvPr>
+          <p:cNvSpPr>
+            <a:spLocks noGrp="1"/>
+          </p:cNvSpPr>
+          <p:nvPr>
+            <p:ph idx="1"/>
+          </p:nvPr>
+        </p:nvSpPr>
+        <p:spPr/>
+        <p:txBody>
+          <a:bodyPr/>
+          <a:lstStyle/>
+          <a:p>
+            <a:pPr>
+              <a:buFont typeface="Arial" panose="020B0604020202020204" pitchFamily="34" charset="0"/>
+              <a:buChar char="•"/>
+            </a:pPr>
+            <a:r>
+              <a:rPr lang="de-DE" dirty="0"/>
+              <a:t>Ja, weil…</a:t>
+            </a:r>
+          </a:p>
+          <a:p>
+            <a:pPr>
+              <a:buFont typeface="Arial" panose="020B0604020202020204" pitchFamily="34" charset="0"/>
+              <a:buChar char="•"/>
+            </a:pPr>
+            <a:endParaRPr lang="de-DE" dirty="0"/>
+          </a:p>
+          <a:p>
+            <a:pPr>
+              <a:buFont typeface="Arial" panose="020B0604020202020204" pitchFamily="34" charset="0"/>
+              <a:buChar char="•"/>
+            </a:pPr>
+            <a:endParaRPr lang="de-DE" dirty="0"/>
+          </a:p>
+          <a:p>
+            <a:pPr>
+              <a:buFont typeface="Arial" panose="020B0604020202020204" pitchFamily="34" charset="0"/>
+              <a:buChar char="•"/>
+            </a:pPr>
+            <a:r>
+              <a:rPr lang="de-DE" dirty="0"/>
+              <a:t>Nein, weil…</a:t>
+            </a:r>
+          </a:p>
+        </p:txBody>
+      </p:sp>
+      <p:sp>
+        <p:nvSpPr>
+          <p:cNvPr id="4" name="Date Placeholder 3">
+            <a:extLst>
+              <a:ext uri="{FF2B5EF4-FFF2-40B4-BE49-F238E27FC236}">
+                <a16:creationId xmlns:a16="http://schemas.microsoft.com/office/drawing/2014/main" id="{8F6BD576-6109-CC48-855E-D71D005531D0}"/>
+              </a:ext>
+            </a:extLst>
+          </p:cNvPr>
+          <p:cNvSpPr>
+            <a:spLocks noGrp="1"/>
+          </p:cNvSpPr>
+          <p:nvPr>
+            <p:ph type="dt" sz="half" idx="10"/>
+          </p:nvPr>
+        </p:nvSpPr>
+        <p:spPr/>
+        <p:txBody>
+          <a:bodyPr/>
+          <a:lstStyle/>
+          <a:p>
+            <a:pPr rtl="0"/>
+            <a:fld id="{CA5E3BD6-493E-4773-AC13-EE70A9E3F498}" type="datetime1">
+              <a:rPr lang="de-DE" smtClean="0"/>
+              <a:t>01.12.2024</a:t>
+            </a:fld>
+            <a:endParaRPr lang="en-US" dirty="0"/>
+          </a:p>
+        </p:txBody>
+      </p:sp>
+    </p:spTree>
+    <p:extLst>
+      <p:ext uri="{BB962C8B-B14F-4D97-AF65-F5344CB8AC3E}">
+        <p14:creationId xmlns:p14="http://schemas.microsoft.com/office/powerpoint/2010/main" val="1658029289"/>
+      </p:ext>
+    </p:extLst>
+  </p:cSld>
+  <p:clrMapOvr>
+    <a:masterClrMapping/>
+  </p:clrMapOvr>
+</p:sld>
+</file>
+
+<file path=ppt/slides/slide5.xml><?xml version="1.0" encoding="utf-8"?>
+<p:sld xmlns:a="http://schemas.openxmlformats.org/drawingml/2006/main" xmlns:r="http://schemas.openxmlformats.org/officeDocument/2006/relationships" xmlns:p="http://schemas.openxmlformats.org/presentationml/2006/main">
+  <p:cSld>
+    <p:spTree>
+      <p:nvGrpSpPr>
+        <p:cNvPr id="1" name=""/>
+        <p:cNvGrpSpPr/>
+        <p:nvPr/>
+      </p:nvGrpSpPr>
+      <p:grpSpPr>
+        <a:xfrm>
+          <a:off x="0" y="0"/>
+          <a:ext cx="0" cy="0"/>
+          <a:chOff x="0" y="0"/>
+          <a:chExt cx="0" cy="0"/>
+        </a:xfrm>
+      </p:grpSpPr>
+      <p:sp>
+        <p:nvSpPr>
+          <p:cNvPr id="2" name="Title 1">
+            <a:extLst>
+              <a:ext uri="{FF2B5EF4-FFF2-40B4-BE49-F238E27FC236}">
+                <a16:creationId xmlns:a16="http://schemas.microsoft.com/office/drawing/2014/main" id="{0CD594AE-9075-DB22-BD41-2DF868DF527A}"/>
+              </a:ext>
+            </a:extLst>
+          </p:cNvPr>
+          <p:cNvSpPr>
+            <a:spLocks noGrp="1"/>
+          </p:cNvSpPr>
+          <p:nvPr>
+            <p:ph type="title"/>
+          </p:nvPr>
+        </p:nvSpPr>
+        <p:spPr/>
+        <p:txBody>
+          <a:bodyPr/>
+          <a:lstStyle/>
+          <a:p>
+            <a:r>
+              <a:rPr lang="de-DE" dirty="0"/>
+              <a:t>Klauen Roboter / </a:t>
+            </a:r>
+            <a:r>
+              <a:rPr lang="de-DE" dirty="0" err="1"/>
+              <a:t>KI‘s</a:t>
+            </a:r>
+            <a:r>
+              <a:rPr lang="de-DE" dirty="0"/>
+              <a:t> eure Jobs?</a:t>
+            </a:r>
+          </a:p>
+        </p:txBody>
+      </p:sp>
+      <p:sp>
+        <p:nvSpPr>
+          <p:cNvPr id="3" name="Content Placeholder 2">
+            <a:extLst>
+              <a:ext uri="{FF2B5EF4-FFF2-40B4-BE49-F238E27FC236}">
+                <a16:creationId xmlns:a16="http://schemas.microsoft.com/office/drawing/2014/main" id="{BDF08196-69D6-B810-EF14-D04DBCBF3425}"/>
+              </a:ext>
+            </a:extLst>
+          </p:cNvPr>
+          <p:cNvSpPr>
+            <a:spLocks noGrp="1"/>
+          </p:cNvSpPr>
+          <p:nvPr>
+            <p:ph idx="1"/>
+          </p:nvPr>
+        </p:nvSpPr>
+        <p:spPr/>
+        <p:txBody>
+          <a:bodyPr/>
+          <a:lstStyle/>
+          <a:p>
+            <a:pPr marL="457200" indent="-457200">
+              <a:buFont typeface="+mj-lt"/>
+              <a:buAutoNum type="arabicPeriod"/>
+            </a:pPr>
+            <a:r>
+              <a:rPr lang="de-DE" dirty="0"/>
+              <a:t>Notiert innerhalb eurer Kleingruppe jeweils zwei Vor- und Nachteile, die der Mensch gegenüber der Maschine, dem Roboter/der KI hat.</a:t>
+            </a:r>
+          </a:p>
+          <a:p>
+            <a:pPr marL="457200" indent="-457200">
+              <a:buFont typeface="+mj-lt"/>
+              <a:buAutoNum type="arabicPeriod"/>
+            </a:pPr>
+            <a:r>
+              <a:rPr lang="de-DE" dirty="0"/>
+              <a:t>Diskutiert innerhalb eurer Kleingruppe die Frage aus der Überschrift und was ihr tun könnt, um eure Arbeitsplätze für die Zukunft zu sichern.</a:t>
+            </a:r>
+          </a:p>
+          <a:p>
+            <a:pPr marL="457200" indent="-457200">
+              <a:buFont typeface="+mj-lt"/>
+              <a:buAutoNum type="arabicPeriod"/>
+            </a:pPr>
+            <a:r>
+              <a:rPr lang="de-DE" dirty="0"/>
+              <a:t>Diskutiert innerhalb eurer Kleingruppe, wie die Arbeit der Zukunft aussehen wird. Stellt eure Ergebnisse anschließend im Plenum vor.</a:t>
+            </a:r>
+          </a:p>
+        </p:txBody>
+      </p:sp>
+      <p:sp>
+        <p:nvSpPr>
+          <p:cNvPr id="4" name="Date Placeholder 3">
+            <a:extLst>
+              <a:ext uri="{FF2B5EF4-FFF2-40B4-BE49-F238E27FC236}">
+                <a16:creationId xmlns:a16="http://schemas.microsoft.com/office/drawing/2014/main" id="{3D2EE455-0450-A36E-013A-2887284BA9E6}"/>
+              </a:ext>
+            </a:extLst>
+          </p:cNvPr>
+          <p:cNvSpPr>
+            <a:spLocks noGrp="1"/>
+          </p:cNvSpPr>
+          <p:nvPr>
+            <p:ph type="dt" sz="half" idx="10"/>
+          </p:nvPr>
+        </p:nvSpPr>
+        <p:spPr/>
+        <p:txBody>
+          <a:bodyPr/>
+          <a:lstStyle/>
+          <a:p>
+            <a:pPr rtl="0"/>
+            <a:fld id="{CA5E3BD6-493E-4773-AC13-EE70A9E3F498}" type="datetime1">
+              <a:rPr lang="de-DE" smtClean="0"/>
+              <a:t>01.12.2024</a:t>
+            </a:fld>
+            <a:endParaRPr lang="en-US" dirty="0"/>
+          </a:p>
+        </p:txBody>
+      </p:sp>
+    </p:spTree>
+    <p:extLst>
+      <p:ext uri="{BB962C8B-B14F-4D97-AF65-F5344CB8AC3E}">
+        <p14:creationId xmlns:p14="http://schemas.microsoft.com/office/powerpoint/2010/main" val="3763772995"/>
+      </p:ext>
+    </p:extLst>
+  </p:cSld>
+  <p:clrMapOvr>
+    <a:masterClrMapping/>
+  </p:clrMapOvr>
+</p:sld>
+</file>
+
+<file path=ppt/slides/slide6.xml><?xml version="1.0" encoding="utf-8"?>
 <p:sld xmlns:a="http://schemas.openxmlformats.org/drawingml/2006/main" xmlns:r="http://schemas.openxmlformats.org/officeDocument/2006/relationships" xmlns:p="http://schemas.openxmlformats.org/presentationml/2006/main" show="0">
   <p:cSld>
     <p:spTree>
@@ -4909,7 +5354,7 @@
             <a:pPr rtl="0"/>
             <a:fld id="{CA5E3BD6-493E-4773-AC13-EE70A9E3F498}" type="datetime1">
               <a:rPr lang="de-DE" smtClean="0"/>
-              <a:t>24.11.2024</a:t>
+              <a:t>01.12.2024</a:t>
             </a:fld>
             <a:endParaRPr lang="en-US" dirty="0"/>
           </a:p>
@@ -5111,288 +5556,6 @@
       <p:bldP spid="7" grpId="0" animBg="1"/>
     </p:bldLst>
   </p:timing>
-</p:sld>
-</file>
-
-<file path=ppt/slides/slide4.xml><?xml version="1.0" encoding="utf-8"?>
-<p:sld xmlns:a="http://schemas.openxmlformats.org/drawingml/2006/main" xmlns:r="http://schemas.openxmlformats.org/officeDocument/2006/relationships" xmlns:p="http://schemas.openxmlformats.org/presentationml/2006/main">
-  <p:cSld>
-    <p:spTree>
-      <p:nvGrpSpPr>
-        <p:cNvPr id="1" name=""/>
-        <p:cNvGrpSpPr/>
-        <p:nvPr/>
-      </p:nvGrpSpPr>
-      <p:grpSpPr>
-        <a:xfrm>
-          <a:off x="0" y="0"/>
-          <a:ext cx="0" cy="0"/>
-          <a:chOff x="0" y="0"/>
-          <a:chExt cx="0" cy="0"/>
-        </a:xfrm>
-      </p:grpSpPr>
-      <p:sp>
-        <p:nvSpPr>
-          <p:cNvPr id="2" name="Title 1">
-            <a:extLst>
-              <a:ext uri="{FF2B5EF4-FFF2-40B4-BE49-F238E27FC236}">
-                <a16:creationId xmlns:a16="http://schemas.microsoft.com/office/drawing/2014/main" id="{685BF5B1-DD5E-591E-EC3D-520265D008F8}"/>
-              </a:ext>
-            </a:extLst>
-          </p:cNvPr>
-          <p:cNvSpPr>
-            <a:spLocks noGrp="1"/>
-          </p:cNvSpPr>
-          <p:nvPr>
-            <p:ph type="title"/>
-          </p:nvPr>
-        </p:nvSpPr>
-        <p:spPr/>
-        <p:txBody>
-          <a:bodyPr/>
-          <a:lstStyle/>
-          <a:p>
-            <a:r>
-              <a:rPr lang="de-DE" dirty="0"/>
-              <a:t>Stimmt ihr ChatGPT zu?</a:t>
-            </a:r>
-          </a:p>
-        </p:txBody>
-      </p:sp>
-      <p:sp>
-        <p:nvSpPr>
-          <p:cNvPr id="3" name="Content Placeholder 2">
-            <a:extLst>
-              <a:ext uri="{FF2B5EF4-FFF2-40B4-BE49-F238E27FC236}">
-                <a16:creationId xmlns:a16="http://schemas.microsoft.com/office/drawing/2014/main" id="{FA16C316-144A-3D4C-4E2B-8389F569BBA0}"/>
-              </a:ext>
-            </a:extLst>
-          </p:cNvPr>
-          <p:cNvSpPr>
-            <a:spLocks noGrp="1"/>
-          </p:cNvSpPr>
-          <p:nvPr>
-            <p:ph idx="1"/>
-          </p:nvPr>
-        </p:nvSpPr>
-        <p:spPr/>
-        <p:txBody>
-          <a:bodyPr/>
-          <a:lstStyle/>
-          <a:p>
-            <a:pPr>
-              <a:buFont typeface="Arial" panose="020B0604020202020204" pitchFamily="34" charset="0"/>
-              <a:buChar char="•"/>
-            </a:pPr>
-            <a:r>
-              <a:rPr lang="de-DE" dirty="0"/>
-              <a:t>Ja, weil…</a:t>
-            </a:r>
-          </a:p>
-          <a:p>
-            <a:pPr>
-              <a:buFont typeface="Arial" panose="020B0604020202020204" pitchFamily="34" charset="0"/>
-              <a:buChar char="•"/>
-            </a:pPr>
-            <a:endParaRPr lang="de-DE" dirty="0"/>
-          </a:p>
-          <a:p>
-            <a:pPr>
-              <a:buFont typeface="Arial" panose="020B0604020202020204" pitchFamily="34" charset="0"/>
-              <a:buChar char="•"/>
-            </a:pPr>
-            <a:endParaRPr lang="de-DE" dirty="0"/>
-          </a:p>
-          <a:p>
-            <a:pPr>
-              <a:buFont typeface="Arial" panose="020B0604020202020204" pitchFamily="34" charset="0"/>
-              <a:buChar char="•"/>
-            </a:pPr>
-            <a:r>
-              <a:rPr lang="de-DE" dirty="0"/>
-              <a:t>Nein, weil…</a:t>
-            </a:r>
-          </a:p>
-        </p:txBody>
-      </p:sp>
-      <p:sp>
-        <p:nvSpPr>
-          <p:cNvPr id="4" name="Date Placeholder 3">
-            <a:extLst>
-              <a:ext uri="{FF2B5EF4-FFF2-40B4-BE49-F238E27FC236}">
-                <a16:creationId xmlns:a16="http://schemas.microsoft.com/office/drawing/2014/main" id="{8F6BD576-6109-CC48-855E-D71D005531D0}"/>
-              </a:ext>
-            </a:extLst>
-          </p:cNvPr>
-          <p:cNvSpPr>
-            <a:spLocks noGrp="1"/>
-          </p:cNvSpPr>
-          <p:nvPr>
-            <p:ph type="dt" sz="half" idx="10"/>
-          </p:nvPr>
-        </p:nvSpPr>
-        <p:spPr/>
-        <p:txBody>
-          <a:bodyPr/>
-          <a:lstStyle/>
-          <a:p>
-            <a:pPr rtl="0"/>
-            <a:fld id="{CA5E3BD6-493E-4773-AC13-EE70A9E3F498}" type="datetime1">
-              <a:rPr lang="de-DE" smtClean="0"/>
-              <a:t>24.11.2024</a:t>
-            </a:fld>
-            <a:endParaRPr lang="en-US" dirty="0"/>
-          </a:p>
-        </p:txBody>
-      </p:sp>
-    </p:spTree>
-    <p:extLst>
-      <p:ext uri="{BB962C8B-B14F-4D97-AF65-F5344CB8AC3E}">
-        <p14:creationId xmlns:p14="http://schemas.microsoft.com/office/powerpoint/2010/main" val="1658029289"/>
-      </p:ext>
-    </p:extLst>
-  </p:cSld>
-  <p:clrMapOvr>
-    <a:masterClrMapping/>
-  </p:clrMapOvr>
-</p:sld>
-</file>
-
-<file path=ppt/slides/slide5.xml><?xml version="1.0" encoding="utf-8"?>
-<p:sld xmlns:a="http://schemas.openxmlformats.org/drawingml/2006/main" xmlns:r="http://schemas.openxmlformats.org/officeDocument/2006/relationships" xmlns:p="http://schemas.openxmlformats.org/presentationml/2006/main">
-  <p:cSld>
-    <p:spTree>
-      <p:nvGrpSpPr>
-        <p:cNvPr id="1" name=""/>
-        <p:cNvGrpSpPr/>
-        <p:nvPr/>
-      </p:nvGrpSpPr>
-      <p:grpSpPr>
-        <a:xfrm>
-          <a:off x="0" y="0"/>
-          <a:ext cx="0" cy="0"/>
-          <a:chOff x="0" y="0"/>
-          <a:chExt cx="0" cy="0"/>
-        </a:xfrm>
-      </p:grpSpPr>
-      <p:sp>
-        <p:nvSpPr>
-          <p:cNvPr id="2" name="Title 1">
-            <a:extLst>
-              <a:ext uri="{FF2B5EF4-FFF2-40B4-BE49-F238E27FC236}">
-                <a16:creationId xmlns:a16="http://schemas.microsoft.com/office/drawing/2014/main" id="{0CD594AE-9075-DB22-BD41-2DF868DF527A}"/>
-              </a:ext>
-            </a:extLst>
-          </p:cNvPr>
-          <p:cNvSpPr>
-            <a:spLocks noGrp="1"/>
-          </p:cNvSpPr>
-          <p:nvPr>
-            <p:ph type="title"/>
-          </p:nvPr>
-        </p:nvSpPr>
-        <p:spPr/>
-        <p:txBody>
-          <a:bodyPr/>
-          <a:lstStyle/>
-          <a:p>
-            <a:r>
-              <a:rPr lang="de-DE" dirty="0"/>
-              <a:t>Klauen Roboter / </a:t>
-            </a:r>
-            <a:r>
-              <a:rPr lang="de-DE" dirty="0" err="1"/>
-              <a:t>KI‘s</a:t>
-            </a:r>
-            <a:r>
-              <a:rPr lang="de-DE" dirty="0"/>
-              <a:t> eure Jobs?</a:t>
-            </a:r>
-          </a:p>
-        </p:txBody>
-      </p:sp>
-      <p:sp>
-        <p:nvSpPr>
-          <p:cNvPr id="3" name="Content Placeholder 2">
-            <a:extLst>
-              <a:ext uri="{FF2B5EF4-FFF2-40B4-BE49-F238E27FC236}">
-                <a16:creationId xmlns:a16="http://schemas.microsoft.com/office/drawing/2014/main" id="{BDF08196-69D6-B810-EF14-D04DBCBF3425}"/>
-              </a:ext>
-            </a:extLst>
-          </p:cNvPr>
-          <p:cNvSpPr>
-            <a:spLocks noGrp="1"/>
-          </p:cNvSpPr>
-          <p:nvPr>
-            <p:ph idx="1"/>
-          </p:nvPr>
-        </p:nvSpPr>
-        <p:spPr/>
-        <p:txBody>
-          <a:bodyPr/>
-          <a:lstStyle/>
-          <a:p>
-            <a:pPr marL="457200" indent="-457200">
-              <a:buFont typeface="+mj-lt"/>
-              <a:buAutoNum type="arabicPeriod"/>
-            </a:pPr>
-            <a:r>
-              <a:rPr lang="de-DE" dirty="0"/>
-              <a:t>Notiert innerhalb eurer Kleingruppe jeweils zwei Vor- und Nachteile, die der Mensch gegenüber der Maschine, dem Roboter/der KI hat.</a:t>
-            </a:r>
-          </a:p>
-          <a:p>
-            <a:pPr marL="457200" indent="-457200">
-              <a:buFont typeface="+mj-lt"/>
-              <a:buAutoNum type="arabicPeriod"/>
-            </a:pPr>
-            <a:r>
-              <a:rPr lang="de-DE" dirty="0"/>
-              <a:t>Diskutiert innerhalb eurer Kleingruppe die Frage aus der Überschrift und was ihr tun könnt, um eure Arbeitsplätze für die Zukunft zu sichern. Stellt eure Ergebnisse anschließend im Plenum vor.</a:t>
-            </a:r>
-          </a:p>
-        </p:txBody>
-      </p:sp>
-      <p:sp>
-        <p:nvSpPr>
-          <p:cNvPr id="4" name="Date Placeholder 3">
-            <a:extLst>
-              <a:ext uri="{FF2B5EF4-FFF2-40B4-BE49-F238E27FC236}">
-                <a16:creationId xmlns:a16="http://schemas.microsoft.com/office/drawing/2014/main" id="{3D2EE455-0450-A36E-013A-2887284BA9E6}"/>
-              </a:ext>
-            </a:extLst>
-          </p:cNvPr>
-          <p:cNvSpPr>
-            <a:spLocks noGrp="1"/>
-          </p:cNvSpPr>
-          <p:nvPr>
-            <p:ph type="dt" sz="half" idx="10"/>
-          </p:nvPr>
-        </p:nvSpPr>
-        <p:spPr/>
-        <p:txBody>
-          <a:bodyPr/>
-          <a:lstStyle/>
-          <a:p>
-            <a:pPr rtl="0"/>
-            <a:fld id="{CA5E3BD6-493E-4773-AC13-EE70A9E3F498}" type="datetime1">
-              <a:rPr lang="de-DE" smtClean="0"/>
-              <a:t>24.11.2024</a:t>
-            </a:fld>
-            <a:endParaRPr lang="en-US" dirty="0"/>
-          </a:p>
-        </p:txBody>
-      </p:sp>
-    </p:spTree>
-    <p:extLst>
-      <p:ext uri="{BB962C8B-B14F-4D97-AF65-F5344CB8AC3E}">
-        <p14:creationId xmlns:p14="http://schemas.microsoft.com/office/powerpoint/2010/main" val="3763772995"/>
-      </p:ext>
-    </p:extLst>
-  </p:cSld>
-  <p:clrMapOvr>
-    <a:masterClrMapping/>
-  </p:clrMapOvr>
 </p:sld>
 </file>
 
